--- a/PowerPoint/themes/theme5/lines.pptx
+++ b/PowerPoint/themes/theme5/lines.pptx
@@ -7,7 +7,7 @@
   <p:sldIdLst>
     <p:sldId id="256" r:id="rId2"/>
   </p:sldIdLst>
-  <p:sldSz cx="9144000" cy="6858000" type="screen4x3"/>
+  <p:sldSz cx="9144000" cy="5143500" type="screen16x9"/>
   <p:notesSz cx="6858000" cy="9144000"/>
   <p:defaultTextStyle>
     <a:defPPr>
@@ -108,7 +108,7 @@
 </file>
 
 <file path=ppt/slideLayouts/slideLayout1.xml><?xml version="1.0" encoding="utf-8"?>
-<p:sldLayout xmlns:a="http://schemas.openxmlformats.org/drawingml/2006/main" xmlns:r="http://schemas.openxmlformats.org/officeDocument/2006/relationships" xmlns:p="http://schemas.openxmlformats.org/presentationml/2006/main" type="title" showMasterSp="0" preserve="1" userDrawn="1">
+<p:sldLayout xmlns:a="http://schemas.openxmlformats.org/drawingml/2006/main" xmlns:r="http://schemas.openxmlformats.org/officeDocument/2006/relationships" xmlns:p="http://schemas.openxmlformats.org/presentationml/2006/main" showMasterSp="0" type="title" preserve="1" userDrawn="1">
   <p:cSld name="Титульный слайд">
     <p:bg>
       <p:bgPr>
@@ -150,8 +150,8 @@
         </p:nvSpPr>
         <p:spPr>
           <a:xfrm>
-            <a:off x="3563888" y="6165304"/>
-            <a:ext cx="2133600" cy="365125"/>
+            <a:off x="3563888" y="4623978"/>
+            <a:ext cx="2133600" cy="273844"/>
           </a:xfrm>
           <a:prstGeom prst="rect">
             <a:avLst/>
@@ -192,8 +192,8 @@
         </p:nvSpPr>
         <p:spPr>
           <a:xfrm>
-            <a:off x="1403648" y="3212976"/>
-            <a:ext cx="6400800" cy="1752600"/>
+            <a:off x="1403648" y="2409732"/>
+            <a:ext cx="6400800" cy="1314450"/>
           </a:xfrm>
         </p:spPr>
         <p:txBody>
@@ -295,7 +295,7 @@
           </a:lstStyle>
           <a:p>
             <a:r>
-              <a:rPr lang="ru-RU" smtClean="0"/>
+              <a:rPr lang="ru-RU" dirty="0" smtClean="0"/>
               <a:t>Образец подзаголовка</a:t>
             </a:r>
             <a:endParaRPr lang="en-US" dirty="0"/>
@@ -314,8 +314,8 @@
         </p:nvSpPr>
         <p:spPr>
           <a:xfrm>
-            <a:off x="690040" y="1204857"/>
-            <a:ext cx="7754713" cy="1910716"/>
+            <a:off x="690041" y="903643"/>
+            <a:ext cx="7754713" cy="1433037"/>
           </a:xfrm>
         </p:spPr>
         <p:txBody>
@@ -333,7 +333,7 @@
           </a:lstStyle>
           <a:p>
             <a:r>
-              <a:rPr lang="ru-RU" smtClean="0"/>
+              <a:rPr lang="ru-RU" dirty="0" smtClean="0"/>
               <a:t>Образец заголовка</a:t>
             </a:r>
             <a:endParaRPr lang="en-US" dirty="0"/>
@@ -450,8 +450,8 @@
         </p:nvSpPr>
         <p:spPr>
           <a:xfrm>
-            <a:off x="3419872" y="6237312"/>
-            <a:ext cx="2133600" cy="365125"/>
+            <a:off x="3419872" y="4677984"/>
+            <a:ext cx="2133600" cy="273844"/>
           </a:xfrm>
           <a:prstGeom prst="rect">
             <a:avLst/>
@@ -550,8 +550,8 @@
         </p:nvSpPr>
         <p:spPr>
           <a:xfrm>
-            <a:off x="699248" y="1484784"/>
-            <a:ext cx="7734747" cy="4104456"/>
+            <a:off x="699249" y="1113588"/>
+            <a:ext cx="7734747" cy="3078342"/>
           </a:xfrm>
         </p:spPr>
         <p:txBody>
@@ -671,8 +671,8 @@
         </p:nvSpPr>
         <p:spPr>
           <a:xfrm>
-            <a:off x="693868" y="116632"/>
-            <a:ext cx="7756263" cy="1054250"/>
+            <a:off x="693869" y="87474"/>
+            <a:ext cx="7756263" cy="790688"/>
           </a:xfrm>
         </p:spPr>
         <p:txBody>
@@ -699,8 +699,8 @@
         </p:nvSpPr>
         <p:spPr>
           <a:xfrm>
-            <a:off x="3419872" y="6237312"/>
-            <a:ext cx="2133600" cy="365125"/>
+            <a:off x="3419872" y="4677984"/>
+            <a:ext cx="2133600" cy="273844"/>
           </a:xfrm>
           <a:prstGeom prst="rect">
             <a:avLst/>
@@ -807,8 +807,8 @@
         </p:nvSpPr>
         <p:spPr>
           <a:xfrm>
-            <a:off x="3419872" y="6237312"/>
-            <a:ext cx="2133600" cy="365125"/>
+            <a:off x="3419872" y="4677984"/>
+            <a:ext cx="2133600" cy="273844"/>
           </a:xfrm>
           <a:prstGeom prst="rect">
             <a:avLst/>
@@ -838,8 +838,8 @@
         </p:nvSpPr>
         <p:spPr>
           <a:xfrm>
-            <a:off x="539552" y="1556792"/>
-            <a:ext cx="3803904" cy="4563771"/>
+            <a:off x="539552" y="1167595"/>
+            <a:ext cx="3803904" cy="3422828"/>
           </a:xfrm>
         </p:spPr>
         <p:txBody>
@@ -926,8 +926,8 @@
         </p:nvSpPr>
         <p:spPr>
           <a:xfrm>
-            <a:off x="4716016" y="1556792"/>
-            <a:ext cx="3803904" cy="4563771"/>
+            <a:off x="4716016" y="1167595"/>
+            <a:ext cx="3803904" cy="3422828"/>
           </a:xfrm>
         </p:spPr>
         <p:txBody>
@@ -1087,8 +1087,8 @@
         </p:nvSpPr>
         <p:spPr>
           <a:xfrm>
-            <a:off x="539552" y="1556792"/>
-            <a:ext cx="3810438" cy="658368"/>
+            <a:off x="539552" y="1167594"/>
+            <a:ext cx="3810438" cy="493776"/>
           </a:xfrm>
         </p:spPr>
         <p:txBody>
@@ -1158,8 +1158,8 @@
         </p:nvSpPr>
         <p:spPr>
           <a:xfrm>
-            <a:off x="539552" y="2492896"/>
-            <a:ext cx="3803904" cy="3627667"/>
+            <a:off x="539552" y="1869672"/>
+            <a:ext cx="3803904" cy="2720750"/>
           </a:xfrm>
         </p:spPr>
         <p:txBody>
@@ -1246,8 +1246,8 @@
         </p:nvSpPr>
         <p:spPr>
           <a:xfrm>
-            <a:off x="4788024" y="1556792"/>
-            <a:ext cx="3805586" cy="658368"/>
+            <a:off x="4788024" y="1167594"/>
+            <a:ext cx="3805586" cy="493776"/>
           </a:xfrm>
         </p:spPr>
         <p:txBody>
@@ -1317,8 +1317,8 @@
         </p:nvSpPr>
         <p:spPr>
           <a:xfrm>
-            <a:off x="3419872" y="6237312"/>
-            <a:ext cx="2133600" cy="365125"/>
+            <a:off x="3419872" y="4677984"/>
+            <a:ext cx="2133600" cy="273844"/>
           </a:xfrm>
           <a:prstGeom prst="rect">
             <a:avLst/>
@@ -1348,8 +1348,8 @@
         </p:nvSpPr>
         <p:spPr>
           <a:xfrm>
-            <a:off x="4716016" y="2492896"/>
-            <a:ext cx="3803904" cy="3780067"/>
+            <a:off x="4716016" y="1869673"/>
+            <a:ext cx="3803904" cy="2835050"/>
           </a:xfrm>
         </p:spPr>
         <p:txBody>
@@ -1505,8 +1505,8 @@
         </p:nvSpPr>
         <p:spPr>
           <a:xfrm>
-            <a:off x="3419872" y="6237312"/>
-            <a:ext cx="2133600" cy="365125"/>
+            <a:off x="3419872" y="4677984"/>
+            <a:ext cx="2133600" cy="273844"/>
           </a:xfrm>
           <a:prstGeom prst="rect">
             <a:avLst/>
@@ -1582,8 +1582,8 @@
         </p:nvSpPr>
         <p:spPr>
           <a:xfrm>
-            <a:off x="3419872" y="6237312"/>
-            <a:ext cx="2133600" cy="365125"/>
+            <a:off x="3419872" y="4677984"/>
+            <a:ext cx="2133600" cy="273844"/>
           </a:xfrm>
           <a:prstGeom prst="rect">
             <a:avLst/>
@@ -1659,8 +1659,8 @@
         </p:nvSpPr>
         <p:spPr>
           <a:xfrm>
-            <a:off x="5034579" y="596974"/>
-            <a:ext cx="3422483" cy="1886921"/>
+            <a:off x="5034580" y="447731"/>
+            <a:ext cx="3422483" cy="1415191"/>
           </a:xfrm>
         </p:spPr>
         <p:txBody>
@@ -1691,8 +1691,8 @@
         </p:nvSpPr>
         <p:spPr>
           <a:xfrm>
-            <a:off x="692001" y="559398"/>
-            <a:ext cx="4116667" cy="5566765"/>
+            <a:off x="692002" y="419549"/>
+            <a:ext cx="4116667" cy="4175074"/>
           </a:xfrm>
         </p:spPr>
         <p:txBody>
@@ -1776,8 +1776,8 @@
         </p:nvSpPr>
         <p:spPr>
           <a:xfrm>
-            <a:off x="5034579" y="2618910"/>
-            <a:ext cx="3411725" cy="3502191"/>
+            <a:off x="5034580" y="1964183"/>
+            <a:ext cx="3411725" cy="2626643"/>
           </a:xfrm>
         </p:spPr>
         <p:txBody>
@@ -1841,8 +1841,8 @@
         </p:nvSpPr>
         <p:spPr>
           <a:xfrm>
-            <a:off x="3419872" y="6237312"/>
-            <a:ext cx="2133600" cy="365125"/>
+            <a:off x="3419872" y="4677984"/>
+            <a:ext cx="2133600" cy="273844"/>
           </a:xfrm>
           <a:prstGeom prst="rect">
             <a:avLst/>
@@ -2015,8 +2015,8 @@
         </p:nvSpPr>
         <p:spPr>
           <a:xfrm>
-            <a:off x="677731" y="4668818"/>
-            <a:ext cx="7767021" cy="644729"/>
+            <a:off x="677732" y="3501614"/>
+            <a:ext cx="7767021" cy="483547"/>
           </a:xfrm>
         </p:spPr>
         <p:txBody>
@@ -2047,8 +2047,8 @@
         </p:nvSpPr>
         <p:spPr>
           <a:xfrm>
-            <a:off x="688489" y="5324306"/>
-            <a:ext cx="7756264" cy="804862"/>
+            <a:off x="688489" y="3993229"/>
+            <a:ext cx="7756264" cy="603647"/>
           </a:xfrm>
         </p:spPr>
         <p:txBody>
@@ -2114,8 +2114,8 @@
         </p:nvSpPr>
         <p:spPr>
           <a:xfrm>
-            <a:off x="1907704" y="620688"/>
-            <a:ext cx="5197091" cy="3897818"/>
+            <a:off x="1907705" y="465516"/>
+            <a:ext cx="5197091" cy="2923364"/>
           </a:xfrm>
         </p:spPr>
         <p:txBody>
@@ -2186,8 +2186,8 @@
         </p:nvSpPr>
         <p:spPr>
           <a:xfrm>
-            <a:off x="3419872" y="6237312"/>
-            <a:ext cx="2133600" cy="365125"/>
+            <a:off x="3419872" y="4677984"/>
+            <a:ext cx="2133600" cy="273844"/>
           </a:xfrm>
           <a:prstGeom prst="rect">
             <a:avLst/>
@@ -2263,8 +2263,8 @@
         </p:nvSpPr>
         <p:spPr>
           <a:xfrm>
-            <a:off x="693868" y="116632"/>
-            <a:ext cx="7756263" cy="1054250"/>
+            <a:off x="693869" y="87474"/>
+            <a:ext cx="7756263" cy="790688"/>
           </a:xfrm>
           <a:prstGeom prst="rect">
             <a:avLst/>
@@ -2296,8 +2296,8 @@
         </p:nvSpPr>
         <p:spPr>
           <a:xfrm>
-            <a:off x="699247" y="1772816"/>
-            <a:ext cx="7745505" cy="4320480"/>
+            <a:off x="699248" y="1329612"/>
+            <a:ext cx="7745505" cy="3240360"/>
           </a:xfrm>
           <a:prstGeom prst="rect">
             <a:avLst/>
@@ -2358,8 +2358,8 @@
         </p:nvSpPr>
         <p:spPr>
           <a:xfrm>
-            <a:off x="3563888" y="6165304"/>
-            <a:ext cx="2133600" cy="365125"/>
+            <a:off x="3563888" y="4623978"/>
+            <a:ext cx="2133600" cy="273844"/>
           </a:xfrm>
           <a:prstGeom prst="rect">
             <a:avLst/>
@@ -2774,8 +2774,8 @@
         </p:nvSpPr>
         <p:spPr>
           <a:xfrm>
-            <a:off x="1183341" y="1387737"/>
-            <a:ext cx="6777318" cy="1731982"/>
+            <a:off x="1183341" y="1040803"/>
+            <a:ext cx="6777318" cy="1298987"/>
           </a:xfrm>
         </p:spPr>
         <p:txBody>
@@ -2798,8 +2798,8 @@
         </p:nvSpPr>
         <p:spPr>
           <a:xfrm>
-            <a:off x="1403648" y="3356992"/>
-            <a:ext cx="6400800" cy="1752600"/>
+            <a:off x="1403648" y="2517744"/>
+            <a:ext cx="6400800" cy="1314450"/>
           </a:xfrm>
         </p:spPr>
         <p:txBody>

--- a/PowerPoint/themes/theme5/lines.pptx
+++ b/PowerPoint/themes/theme5/lines.pptx
@@ -3004,7 +3004,7 @@
           <a:tile tx="0" ty="0" sx="60000" sy="60000" flip="none" algn="tl"/>
         </a:blipFill>
         <a:blipFill rotWithShape="1">
-          <a:blip xmlns:r="http://schemas.openxmlformats.org/officeDocument/2006/relationships" r:embed="rId2">
+          <a:blip xmlns:r="http://schemas.openxmlformats.org/officeDocument/2006/relationships" r:embed="rId1">
             <a:duotone>
               <a:schemeClr val="phClr">
                 <a:shade val="50000"/>
@@ -3052,909 +3052,6 @@
       </a:style>
     </a:spDef>
   </a:objectDefaults>
-  <a:extraClrSchemeLst>
-    <a:extraClrScheme>
-      <a:clrScheme name="Office">
-        <a:dk1>
-          <a:sysClr val="windowText" lastClr="000000"/>
-        </a:dk1>
-        <a:lt1>
-          <a:sysClr val="window" lastClr="FFFFFF"/>
-        </a:lt1>
-        <a:dk2>
-          <a:srgbClr val="1F497D"/>
-        </a:dk2>
-        <a:lt2>
-          <a:srgbClr val="EEECE1"/>
-        </a:lt2>
-        <a:accent1>
-          <a:srgbClr val="4F81BD"/>
-        </a:accent1>
-        <a:accent2>
-          <a:srgbClr val="C0504D"/>
-        </a:accent2>
-        <a:accent3>
-          <a:srgbClr val="9BBB59"/>
-        </a:accent3>
-        <a:accent4>
-          <a:srgbClr val="8064A2"/>
-        </a:accent4>
-        <a:accent5>
-          <a:srgbClr val="4BACC6"/>
-        </a:accent5>
-        <a:accent6>
-          <a:srgbClr val="F79646"/>
-        </a:accent6>
-        <a:hlink>
-          <a:srgbClr val="0000FF"/>
-        </a:hlink>
-        <a:folHlink>
-          <a:srgbClr val="800080"/>
-        </a:folHlink>
-      </a:clrScheme>
-      <a:clrMap bg1="lt1" tx1="dk1" bg2="lt2" tx2="dk2" accent1="accent1" accent2="accent2" accent3="accent3" accent4="accent4" accent5="accent5" accent6="accent6" hlink="hlink" folHlink="folHlink"/>
-    </a:extraClrScheme>
-    <a:extraClrScheme>
-      <a:clrScheme name="Grayscale">
-        <a:dk1>
-          <a:sysClr val="windowText" lastClr="000000"/>
-        </a:dk1>
-        <a:lt1>
-          <a:sysClr val="window" lastClr="FFFFFF"/>
-        </a:lt1>
-        <a:dk2>
-          <a:srgbClr val="000000"/>
-        </a:dk2>
-        <a:lt2>
-          <a:srgbClr val="F8F8F8"/>
-        </a:lt2>
-        <a:accent1>
-          <a:srgbClr val="DDDDDD"/>
-        </a:accent1>
-        <a:accent2>
-          <a:srgbClr val="B2B2B2"/>
-        </a:accent2>
-        <a:accent3>
-          <a:srgbClr val="969696"/>
-        </a:accent3>
-        <a:accent4>
-          <a:srgbClr val="808080"/>
-        </a:accent4>
-        <a:accent5>
-          <a:srgbClr val="5F5F5F"/>
-        </a:accent5>
-        <a:accent6>
-          <a:srgbClr val="4D4D4D"/>
-        </a:accent6>
-        <a:hlink>
-          <a:srgbClr val="5F5F5F"/>
-        </a:hlink>
-        <a:folHlink>
-          <a:srgbClr val="919191"/>
-        </a:folHlink>
-      </a:clrScheme>
-      <a:clrMap bg1="lt1" tx1="dk1" bg2="lt2" tx2="dk2" accent1="accent1" accent2="accent2" accent3="accent3" accent4="accent4" accent5="accent5" accent6="accent6" hlink="hlink" folHlink="folHlink"/>
-    </a:extraClrScheme>
-    <a:extraClrScheme>
-      <a:clrScheme name="Apex">
-        <a:dk1>
-          <a:sysClr val="windowText" lastClr="000000"/>
-        </a:dk1>
-        <a:lt1>
-          <a:sysClr val="window" lastClr="FFFFFF"/>
-        </a:lt1>
-        <a:dk2>
-          <a:srgbClr val="69676D"/>
-        </a:dk2>
-        <a:lt2>
-          <a:srgbClr val="C9C2D1"/>
-        </a:lt2>
-        <a:accent1>
-          <a:srgbClr val="CEB966"/>
-        </a:accent1>
-        <a:accent2>
-          <a:srgbClr val="9CB084"/>
-        </a:accent2>
-        <a:accent3>
-          <a:srgbClr val="6BB1C9"/>
-        </a:accent3>
-        <a:accent4>
-          <a:srgbClr val="6585CF"/>
-        </a:accent4>
-        <a:accent5>
-          <a:srgbClr val="7E6BC9"/>
-        </a:accent5>
-        <a:accent6>
-          <a:srgbClr val="A379BB"/>
-        </a:accent6>
-        <a:hlink>
-          <a:srgbClr val="410082"/>
-        </a:hlink>
-        <a:folHlink>
-          <a:srgbClr val="932968"/>
-        </a:folHlink>
-      </a:clrScheme>
-      <a:clrMap bg1="lt1" tx1="dk1" bg2="lt2" tx2="dk2" accent1="accent1" accent2="accent2" accent3="accent3" accent4="accent4" accent5="accent5" accent6="accent6" hlink="hlink" folHlink="folHlink"/>
-    </a:extraClrScheme>
-    <a:extraClrScheme>
-      <a:clrScheme name="Aspect">
-        <a:dk1>
-          <a:sysClr val="windowText" lastClr="000000"/>
-        </a:dk1>
-        <a:lt1>
-          <a:sysClr val="window" lastClr="FFFFFF"/>
-        </a:lt1>
-        <a:dk2>
-          <a:srgbClr val="323232"/>
-        </a:dk2>
-        <a:lt2>
-          <a:srgbClr val="E3DED1"/>
-        </a:lt2>
-        <a:accent1>
-          <a:srgbClr val="F07F09"/>
-        </a:accent1>
-        <a:accent2>
-          <a:srgbClr val="9F2936"/>
-        </a:accent2>
-        <a:accent3>
-          <a:srgbClr val="1B587C"/>
-        </a:accent3>
-        <a:accent4>
-          <a:srgbClr val="4E8542"/>
-        </a:accent4>
-        <a:accent5>
-          <a:srgbClr val="604878"/>
-        </a:accent5>
-        <a:accent6>
-          <a:srgbClr val="C19859"/>
-        </a:accent6>
-        <a:hlink>
-          <a:srgbClr val="6B9F25"/>
-        </a:hlink>
-        <a:folHlink>
-          <a:srgbClr val="B26B02"/>
-        </a:folHlink>
-      </a:clrScheme>
-      <a:clrMap bg1="lt1" tx1="dk1" bg2="lt2" tx2="dk2" accent1="accent1" accent2="accent2" accent3="accent3" accent4="accent4" accent5="accent5" accent6="accent6" hlink="hlink" folHlink="folHlink"/>
-    </a:extraClrScheme>
-    <a:extraClrScheme>
-      <a:clrScheme name="Civic">
-        <a:dk1>
-          <a:sysClr val="windowText" lastClr="000000"/>
-        </a:dk1>
-        <a:lt1>
-          <a:sysClr val="window" lastClr="FFFFFF"/>
-        </a:lt1>
-        <a:dk2>
-          <a:srgbClr val="646B86"/>
-        </a:dk2>
-        <a:lt2>
-          <a:srgbClr val="C5D1D7"/>
-        </a:lt2>
-        <a:accent1>
-          <a:srgbClr val="D16349"/>
-        </a:accent1>
-        <a:accent2>
-          <a:srgbClr val="CCB400"/>
-        </a:accent2>
-        <a:accent3>
-          <a:srgbClr val="8CADAE"/>
-        </a:accent3>
-        <a:accent4>
-          <a:srgbClr val="8C7B70"/>
-        </a:accent4>
-        <a:accent5>
-          <a:srgbClr val="8FB08C"/>
-        </a:accent5>
-        <a:accent6>
-          <a:srgbClr val="D19049"/>
-        </a:accent6>
-        <a:hlink>
-          <a:srgbClr val="00A3D6"/>
-        </a:hlink>
-        <a:folHlink>
-          <a:srgbClr val="694F07"/>
-        </a:folHlink>
-      </a:clrScheme>
-      <a:clrMap bg1="lt1" tx1="dk1" bg2="lt2" tx2="dk2" accent1="accent1" accent2="accent2" accent3="accent3" accent4="accent4" accent5="accent5" accent6="accent6" hlink="hlink" folHlink="folHlink"/>
-    </a:extraClrScheme>
-    <a:extraClrScheme>
-      <a:clrScheme name="Concourse">
-        <a:dk1>
-          <a:sysClr val="windowText" lastClr="000000"/>
-        </a:dk1>
-        <a:lt1>
-          <a:sysClr val="window" lastClr="FFFFFF"/>
-        </a:lt1>
-        <a:dk2>
-          <a:srgbClr val="464646"/>
-        </a:dk2>
-        <a:lt2>
-          <a:srgbClr val="DEF5FA"/>
-        </a:lt2>
-        <a:accent1>
-          <a:srgbClr val="2DA2BF"/>
-        </a:accent1>
-        <a:accent2>
-          <a:srgbClr val="DA1F28"/>
-        </a:accent2>
-        <a:accent3>
-          <a:srgbClr val="EB641B"/>
-        </a:accent3>
-        <a:accent4>
-          <a:srgbClr val="39639D"/>
-        </a:accent4>
-        <a:accent5>
-          <a:srgbClr val="474B78"/>
-        </a:accent5>
-        <a:accent6>
-          <a:srgbClr val="7D3C4A"/>
-        </a:accent6>
-        <a:hlink>
-          <a:srgbClr val="FF8119"/>
-        </a:hlink>
-        <a:folHlink>
-          <a:srgbClr val="44B9E8"/>
-        </a:folHlink>
-      </a:clrScheme>
-      <a:clrMap bg1="lt1" tx1="dk1" bg2="lt2" tx2="dk2" accent1="accent1" accent2="accent2" accent3="accent3" accent4="accent4" accent5="accent5" accent6="accent6" hlink="hlink" folHlink="folHlink"/>
-    </a:extraClrScheme>
-    <a:extraClrScheme>
-      <a:clrScheme name="Equity">
-        <a:dk1>
-          <a:sysClr val="windowText" lastClr="000000"/>
-        </a:dk1>
-        <a:lt1>
-          <a:sysClr val="window" lastClr="FFFFFF"/>
-        </a:lt1>
-        <a:dk2>
-          <a:srgbClr val="696464"/>
-        </a:dk2>
-        <a:lt2>
-          <a:srgbClr val="E9E5DC"/>
-        </a:lt2>
-        <a:accent1>
-          <a:srgbClr val="D34817"/>
-        </a:accent1>
-        <a:accent2>
-          <a:srgbClr val="9B2D1F"/>
-        </a:accent2>
-        <a:accent3>
-          <a:srgbClr val="A28E6A"/>
-        </a:accent3>
-        <a:accent4>
-          <a:srgbClr val="956251"/>
-        </a:accent4>
-        <a:accent5>
-          <a:srgbClr val="918485"/>
-        </a:accent5>
-        <a:accent6>
-          <a:srgbClr val="855D5D"/>
-        </a:accent6>
-        <a:hlink>
-          <a:srgbClr val="CC9900"/>
-        </a:hlink>
-        <a:folHlink>
-          <a:srgbClr val="96A9A9"/>
-        </a:folHlink>
-      </a:clrScheme>
-      <a:clrMap bg1="lt1" tx1="dk1" bg2="lt2" tx2="dk2" accent1="accent1" accent2="accent2" accent3="accent3" accent4="accent4" accent5="accent5" accent6="accent6" hlink="hlink" folHlink="folHlink"/>
-    </a:extraClrScheme>
-    <a:extraClrScheme>
-      <a:clrScheme name="Flow">
-        <a:dk1>
-          <a:sysClr val="windowText" lastClr="000000"/>
-        </a:dk1>
-        <a:lt1>
-          <a:sysClr val="window" lastClr="FFFFFF"/>
-        </a:lt1>
-        <a:dk2>
-          <a:srgbClr val="04617B"/>
-        </a:dk2>
-        <a:lt2>
-          <a:srgbClr val="DBF5F9"/>
-        </a:lt2>
-        <a:accent1>
-          <a:srgbClr val="0F6FC6"/>
-        </a:accent1>
-        <a:accent2>
-          <a:srgbClr val="009DD9"/>
-        </a:accent2>
-        <a:accent3>
-          <a:srgbClr val="0BD0D9"/>
-        </a:accent3>
-        <a:accent4>
-          <a:srgbClr val="10CF9B"/>
-        </a:accent4>
-        <a:accent5>
-          <a:srgbClr val="7CCA62"/>
-        </a:accent5>
-        <a:accent6>
-          <a:srgbClr val="A5C249"/>
-        </a:accent6>
-        <a:hlink>
-          <a:srgbClr val="F49100"/>
-        </a:hlink>
-        <a:folHlink>
-          <a:srgbClr val="85DFD0"/>
-        </a:folHlink>
-      </a:clrScheme>
-      <a:clrMap bg1="lt1" tx1="dk1" bg2="lt2" tx2="dk2" accent1="accent1" accent2="accent2" accent3="accent3" accent4="accent4" accent5="accent5" accent6="accent6" hlink="hlink" folHlink="folHlink"/>
-    </a:extraClrScheme>
-    <a:extraClrScheme>
-      <a:clrScheme name="Foundry">
-        <a:dk1>
-          <a:sysClr val="windowText" lastClr="000000"/>
-        </a:dk1>
-        <a:lt1>
-          <a:sysClr val="window" lastClr="FFFFFF"/>
-        </a:lt1>
-        <a:dk2>
-          <a:srgbClr val="676A55"/>
-        </a:dk2>
-        <a:lt2>
-          <a:srgbClr val="EAEBDE"/>
-        </a:lt2>
-        <a:accent1>
-          <a:srgbClr val="72A376"/>
-        </a:accent1>
-        <a:accent2>
-          <a:srgbClr val="B0CCB0"/>
-        </a:accent2>
-        <a:accent3>
-          <a:srgbClr val="A8CDD7"/>
-        </a:accent3>
-        <a:accent4>
-          <a:srgbClr val="C0BEAF"/>
-        </a:accent4>
-        <a:accent5>
-          <a:srgbClr val="CEC597"/>
-        </a:accent5>
-        <a:accent6>
-          <a:srgbClr val="E8B7B7"/>
-        </a:accent6>
-        <a:hlink>
-          <a:srgbClr val="DB5353"/>
-        </a:hlink>
-        <a:folHlink>
-          <a:srgbClr val="903638"/>
-        </a:folHlink>
-      </a:clrScheme>
-      <a:clrMap bg1="lt1" tx1="dk1" bg2="lt2" tx2="dk2" accent1="accent1" accent2="accent2" accent3="accent3" accent4="accent4" accent5="accent5" accent6="accent6" hlink="hlink" folHlink="folHlink"/>
-    </a:extraClrScheme>
-    <a:extraClrScheme>
-      <a:clrScheme name="Median">
-        <a:dk1>
-          <a:sysClr val="windowText" lastClr="000000"/>
-        </a:dk1>
-        <a:lt1>
-          <a:sysClr val="window" lastClr="FFFFFF"/>
-        </a:lt1>
-        <a:dk2>
-          <a:srgbClr val="775F55"/>
-        </a:dk2>
-        <a:lt2>
-          <a:srgbClr val="EBDDC3"/>
-        </a:lt2>
-        <a:accent1>
-          <a:srgbClr val="94B6D2"/>
-        </a:accent1>
-        <a:accent2>
-          <a:srgbClr val="DD8047"/>
-        </a:accent2>
-        <a:accent3>
-          <a:srgbClr val="A5AB81"/>
-        </a:accent3>
-        <a:accent4>
-          <a:srgbClr val="D8B25C"/>
-        </a:accent4>
-        <a:accent5>
-          <a:srgbClr val="7BA79D"/>
-        </a:accent5>
-        <a:accent6>
-          <a:srgbClr val="968C8C"/>
-        </a:accent6>
-        <a:hlink>
-          <a:srgbClr val="F7B615"/>
-        </a:hlink>
-        <a:folHlink>
-          <a:srgbClr val="704404"/>
-        </a:folHlink>
-      </a:clrScheme>
-      <a:clrMap bg1="lt1" tx1="dk1" bg2="lt2" tx2="dk2" accent1="accent1" accent2="accent2" accent3="accent3" accent4="accent4" accent5="accent5" accent6="accent6" hlink="hlink" folHlink="folHlink"/>
-    </a:extraClrScheme>
-    <a:extraClrScheme>
-      <a:clrScheme name="Metro">
-        <a:dk1>
-          <a:sysClr val="windowText" lastClr="000000"/>
-        </a:dk1>
-        <a:lt1>
-          <a:sysClr val="window" lastClr="FFFFFF"/>
-        </a:lt1>
-        <a:dk2>
-          <a:srgbClr val="4E5B6F"/>
-        </a:dk2>
-        <a:lt2>
-          <a:srgbClr val="D6ECFF"/>
-        </a:lt2>
-        <a:accent1>
-          <a:srgbClr val="7FD13B"/>
-        </a:accent1>
-        <a:accent2>
-          <a:srgbClr val="EA157A"/>
-        </a:accent2>
-        <a:accent3>
-          <a:srgbClr val="FEB80A"/>
-        </a:accent3>
-        <a:accent4>
-          <a:srgbClr val="00ADDC"/>
-        </a:accent4>
-        <a:accent5>
-          <a:srgbClr val="738AC8"/>
-        </a:accent5>
-        <a:accent6>
-          <a:srgbClr val="1AB39F"/>
-        </a:accent6>
-        <a:hlink>
-          <a:srgbClr val="EB8803"/>
-        </a:hlink>
-        <a:folHlink>
-          <a:srgbClr val="5F7791"/>
-        </a:folHlink>
-      </a:clrScheme>
-      <a:clrMap bg1="lt1" tx1="dk1" bg2="lt2" tx2="dk2" accent1="accent1" accent2="accent2" accent3="accent3" accent4="accent4" accent5="accent5" accent6="accent6" hlink="hlink" folHlink="folHlink"/>
-    </a:extraClrScheme>
-    <a:extraClrScheme>
-      <a:clrScheme name="Module">
-        <a:dk1>
-          <a:sysClr val="windowText" lastClr="000000"/>
-        </a:dk1>
-        <a:lt1>
-          <a:sysClr val="window" lastClr="FFFFFF"/>
-        </a:lt1>
-        <a:dk2>
-          <a:srgbClr val="5A6378"/>
-        </a:dk2>
-        <a:lt2>
-          <a:srgbClr val="D4D4D6"/>
-        </a:lt2>
-        <a:accent1>
-          <a:srgbClr val="F0AD00"/>
-        </a:accent1>
-        <a:accent2>
-          <a:srgbClr val="60B5CC"/>
-        </a:accent2>
-        <a:accent3>
-          <a:srgbClr val="E66C7D"/>
-        </a:accent3>
-        <a:accent4>
-          <a:srgbClr val="6BB76D"/>
-        </a:accent4>
-        <a:accent5>
-          <a:srgbClr val="E88651"/>
-        </a:accent5>
-        <a:accent6>
-          <a:srgbClr val="C64847"/>
-        </a:accent6>
-        <a:hlink>
-          <a:srgbClr val="168BBA"/>
-        </a:hlink>
-        <a:folHlink>
-          <a:srgbClr val="680000"/>
-        </a:folHlink>
-      </a:clrScheme>
-      <a:clrMap bg1="lt1" tx1="dk1" bg2="lt2" tx2="dk2" accent1="accent1" accent2="accent2" accent3="accent3" accent4="accent4" accent5="accent5" accent6="accent6" hlink="hlink" folHlink="folHlink"/>
-    </a:extraClrScheme>
-    <a:extraClrScheme>
-      <a:clrScheme name="Opulent">
-        <a:dk1>
-          <a:sysClr val="windowText" lastClr="000000"/>
-        </a:dk1>
-        <a:lt1>
-          <a:sysClr val="window" lastClr="FFFFFF"/>
-        </a:lt1>
-        <a:dk2>
-          <a:srgbClr val="B13F9A"/>
-        </a:dk2>
-        <a:lt2>
-          <a:srgbClr val="F4E7ED"/>
-        </a:lt2>
-        <a:accent1>
-          <a:srgbClr val="B83D68"/>
-        </a:accent1>
-        <a:accent2>
-          <a:srgbClr val="AC66BB"/>
-        </a:accent2>
-        <a:accent3>
-          <a:srgbClr val="DE6C36"/>
-        </a:accent3>
-        <a:accent4>
-          <a:srgbClr val="F9B639"/>
-        </a:accent4>
-        <a:accent5>
-          <a:srgbClr val="CF6DA4"/>
-        </a:accent5>
-        <a:accent6>
-          <a:srgbClr val="FA8D3D"/>
-        </a:accent6>
-        <a:hlink>
-          <a:srgbClr val="FFDE66"/>
-        </a:hlink>
-        <a:folHlink>
-          <a:srgbClr val="D490C5"/>
-        </a:folHlink>
-      </a:clrScheme>
-      <a:clrMap bg1="lt1" tx1="dk1" bg2="lt2" tx2="dk2" accent1="accent1" accent2="accent2" accent3="accent3" accent4="accent4" accent5="accent5" accent6="accent6" hlink="hlink" folHlink="folHlink"/>
-    </a:extraClrScheme>
-    <a:extraClrScheme>
-      <a:clrScheme name="Oriel">
-        <a:dk1>
-          <a:sysClr val="windowText" lastClr="000000"/>
-        </a:dk1>
-        <a:lt1>
-          <a:sysClr val="window" lastClr="FFFFFF"/>
-        </a:lt1>
-        <a:dk2>
-          <a:srgbClr val="575F6D"/>
-        </a:dk2>
-        <a:lt2>
-          <a:srgbClr val="FFF39D"/>
-        </a:lt2>
-        <a:accent1>
-          <a:srgbClr val="FE8637"/>
-        </a:accent1>
-        <a:accent2>
-          <a:srgbClr val="7598D9"/>
-        </a:accent2>
-        <a:accent3>
-          <a:srgbClr val="B32C16"/>
-        </a:accent3>
-        <a:accent4>
-          <a:srgbClr val="F5CD2D"/>
-        </a:accent4>
-        <a:accent5>
-          <a:srgbClr val="AEBAD5"/>
-        </a:accent5>
-        <a:accent6>
-          <a:srgbClr val="777C84"/>
-        </a:accent6>
-        <a:hlink>
-          <a:srgbClr val="D2611C"/>
-        </a:hlink>
-        <a:folHlink>
-          <a:srgbClr val="3B435B"/>
-        </a:folHlink>
-      </a:clrScheme>
-      <a:clrMap bg1="lt1" tx1="dk1" bg2="lt2" tx2="dk2" accent1="accent1" accent2="accent2" accent3="accent3" accent4="accent4" accent5="accent5" accent6="accent6" hlink="hlink" folHlink="folHlink"/>
-    </a:extraClrScheme>
-    <a:extraClrScheme>
-      <a:clrScheme name="Origin">
-        <a:dk1>
-          <a:sysClr val="windowText" lastClr="000000"/>
-        </a:dk1>
-        <a:lt1>
-          <a:sysClr val="window" lastClr="FFFFFF"/>
-        </a:lt1>
-        <a:dk2>
-          <a:srgbClr val="464653"/>
-        </a:dk2>
-        <a:lt2>
-          <a:srgbClr val="DDE9EC"/>
-        </a:lt2>
-        <a:accent1>
-          <a:srgbClr val="727CA3"/>
-        </a:accent1>
-        <a:accent2>
-          <a:srgbClr val="9FB8CD"/>
-        </a:accent2>
-        <a:accent3>
-          <a:srgbClr val="D2DA7A"/>
-        </a:accent3>
-        <a:accent4>
-          <a:srgbClr val="FADA7A"/>
-        </a:accent4>
-        <a:accent5>
-          <a:srgbClr val="B88472"/>
-        </a:accent5>
-        <a:accent6>
-          <a:srgbClr val="8E736A"/>
-        </a:accent6>
-        <a:hlink>
-          <a:srgbClr val="B292CA"/>
-        </a:hlink>
-        <a:folHlink>
-          <a:srgbClr val="6B5680"/>
-        </a:folHlink>
-      </a:clrScheme>
-      <a:clrMap bg1="lt1" tx1="dk1" bg2="lt2" tx2="dk2" accent1="accent1" accent2="accent2" accent3="accent3" accent4="accent4" accent5="accent5" accent6="accent6" hlink="hlink" folHlink="folHlink"/>
-    </a:extraClrScheme>
-    <a:extraClrScheme>
-      <a:clrScheme name="Paper">
-        <a:dk1>
-          <a:sysClr val="windowText" lastClr="000000"/>
-        </a:dk1>
-        <a:lt1>
-          <a:sysClr val="window" lastClr="FFFFFF"/>
-        </a:lt1>
-        <a:dk2>
-          <a:srgbClr val="444D26"/>
-        </a:dk2>
-        <a:lt2>
-          <a:srgbClr val="FEFAC9"/>
-        </a:lt2>
-        <a:accent1>
-          <a:srgbClr val="A5B592"/>
-        </a:accent1>
-        <a:accent2>
-          <a:srgbClr val="F3A447"/>
-        </a:accent2>
-        <a:accent3>
-          <a:srgbClr val="E7BC29"/>
-        </a:accent3>
-        <a:accent4>
-          <a:srgbClr val="D092A7"/>
-        </a:accent4>
-        <a:accent5>
-          <a:srgbClr val="9C85C0"/>
-        </a:accent5>
-        <a:accent6>
-          <a:srgbClr val="809EC2"/>
-        </a:accent6>
-        <a:hlink>
-          <a:srgbClr val="8E58B6"/>
-        </a:hlink>
-        <a:folHlink>
-          <a:srgbClr val="7F6F6F"/>
-        </a:folHlink>
-      </a:clrScheme>
-      <a:clrMap bg1="lt1" tx1="dk1" bg2="lt2" tx2="dk2" accent1="accent1" accent2="accent2" accent3="accent3" accent4="accent4" accent5="accent5" accent6="accent6" hlink="hlink" folHlink="folHlink"/>
-    </a:extraClrScheme>
-    <a:extraClrScheme>
-      <a:clrScheme name="Solstice">
-        <a:dk1>
-          <a:sysClr val="windowText" lastClr="000000"/>
-        </a:dk1>
-        <a:lt1>
-          <a:sysClr val="window" lastClr="FFFFFF"/>
-        </a:lt1>
-        <a:dk2>
-          <a:srgbClr val="4F271C"/>
-        </a:dk2>
-        <a:lt2>
-          <a:srgbClr val="E7DEC9"/>
-        </a:lt2>
-        <a:accent1>
-          <a:srgbClr val="3891A7"/>
-        </a:accent1>
-        <a:accent2>
-          <a:srgbClr val="FEB80A"/>
-        </a:accent2>
-        <a:accent3>
-          <a:srgbClr val="C32D2E"/>
-        </a:accent3>
-        <a:accent4>
-          <a:srgbClr val="84AA33"/>
-        </a:accent4>
-        <a:accent5>
-          <a:srgbClr val="964305"/>
-        </a:accent5>
-        <a:accent6>
-          <a:srgbClr val="475A8D"/>
-        </a:accent6>
-        <a:hlink>
-          <a:srgbClr val="8DC765"/>
-        </a:hlink>
-        <a:folHlink>
-          <a:srgbClr val="AA8A14"/>
-        </a:folHlink>
-      </a:clrScheme>
-      <a:clrMap bg1="lt1" tx1="dk1" bg2="lt2" tx2="dk2" accent1="accent1" accent2="accent2" accent3="accent3" accent4="accent4" accent5="accent5" accent6="accent6" hlink="hlink" folHlink="folHlink"/>
-    </a:extraClrScheme>
-    <a:extraClrScheme>
-      <a:clrScheme name="Technic">
-        <a:dk1>
-          <a:sysClr val="windowText" lastClr="000000"/>
-        </a:dk1>
-        <a:lt1>
-          <a:sysClr val="window" lastClr="FFFFFF"/>
-        </a:lt1>
-        <a:dk2>
-          <a:srgbClr val="3B3B3B"/>
-        </a:dk2>
-        <a:lt2>
-          <a:srgbClr val="D4D2D0"/>
-        </a:lt2>
-        <a:accent1>
-          <a:srgbClr val="6EA0B0"/>
-        </a:accent1>
-        <a:accent2>
-          <a:srgbClr val="CCAF0A"/>
-        </a:accent2>
-        <a:accent3>
-          <a:srgbClr val="8D89A4"/>
-        </a:accent3>
-        <a:accent4>
-          <a:srgbClr val="748560"/>
-        </a:accent4>
-        <a:accent5>
-          <a:srgbClr val="9E9273"/>
-        </a:accent5>
-        <a:accent6>
-          <a:srgbClr val="7E848D"/>
-        </a:accent6>
-        <a:hlink>
-          <a:srgbClr val="00C8C3"/>
-        </a:hlink>
-        <a:folHlink>
-          <a:srgbClr val="A116E0"/>
-        </a:folHlink>
-      </a:clrScheme>
-      <a:clrMap bg1="lt1" tx1="dk1" bg2="lt2" tx2="dk2" accent1="accent1" accent2="accent2" accent3="accent3" accent4="accent4" accent5="accent5" accent6="accent6" hlink="hlink" folHlink="folHlink"/>
-    </a:extraClrScheme>
-    <a:extraClrScheme>
-      <a:clrScheme name="Trek">
-        <a:dk1>
-          <a:sysClr val="windowText" lastClr="000000"/>
-        </a:dk1>
-        <a:lt1>
-          <a:sysClr val="window" lastClr="FFFFFF"/>
-        </a:lt1>
-        <a:dk2>
-          <a:srgbClr val="4E3B30"/>
-        </a:dk2>
-        <a:lt2>
-          <a:srgbClr val="FBEEC9"/>
-        </a:lt2>
-        <a:accent1>
-          <a:srgbClr val="F0A22E"/>
-        </a:accent1>
-        <a:accent2>
-          <a:srgbClr val="A5644E"/>
-        </a:accent2>
-        <a:accent3>
-          <a:srgbClr val="B58B80"/>
-        </a:accent3>
-        <a:accent4>
-          <a:srgbClr val="C3986D"/>
-        </a:accent4>
-        <a:accent5>
-          <a:srgbClr val="A19574"/>
-        </a:accent5>
-        <a:accent6>
-          <a:srgbClr val="C17529"/>
-        </a:accent6>
-        <a:hlink>
-          <a:srgbClr val="AD1F1F"/>
-        </a:hlink>
-        <a:folHlink>
-          <a:srgbClr val="FFC42F"/>
-        </a:folHlink>
-      </a:clrScheme>
-      <a:clrMap bg1="lt1" tx1="dk1" bg2="lt2" tx2="dk2" accent1="accent1" accent2="accent2" accent3="accent3" accent4="accent4" accent5="accent5" accent6="accent6" hlink="hlink" folHlink="folHlink"/>
-    </a:extraClrScheme>
-    <a:extraClrScheme>
-      <a:clrScheme name="Urban">
-        <a:dk1>
-          <a:sysClr val="windowText" lastClr="000000"/>
-        </a:dk1>
-        <a:lt1>
-          <a:sysClr val="window" lastClr="FFFFFF"/>
-        </a:lt1>
-        <a:dk2>
-          <a:srgbClr val="424456"/>
-        </a:dk2>
-        <a:lt2>
-          <a:srgbClr val="DEDEDE"/>
-        </a:lt2>
-        <a:accent1>
-          <a:srgbClr val="53548A"/>
-        </a:accent1>
-        <a:accent2>
-          <a:srgbClr val="438086"/>
-        </a:accent2>
-        <a:accent3>
-          <a:srgbClr val="A04DA3"/>
-        </a:accent3>
-        <a:accent4>
-          <a:srgbClr val="C4652D"/>
-        </a:accent4>
-        <a:accent5>
-          <a:srgbClr val="8B5D3D"/>
-        </a:accent5>
-        <a:accent6>
-          <a:srgbClr val="5C92B5"/>
-        </a:accent6>
-        <a:hlink>
-          <a:srgbClr val="67AFBD"/>
-        </a:hlink>
-        <a:folHlink>
-          <a:srgbClr val="C2A874"/>
-        </a:folHlink>
-      </a:clrScheme>
-      <a:clrMap bg1="lt1" tx1="dk1" bg2="lt2" tx2="dk2" accent1="accent1" accent2="accent2" accent3="accent3" accent4="accent4" accent5="accent5" accent6="accent6" hlink="hlink" folHlink="folHlink"/>
-    </a:extraClrScheme>
-    <a:extraClrScheme>
-      <a:clrScheme name="Verve">
-        <a:dk1>
-          <a:sysClr val="windowText" lastClr="000000"/>
-        </a:dk1>
-        <a:lt1>
-          <a:sysClr val="window" lastClr="FFFFFF"/>
-        </a:lt1>
-        <a:dk2>
-          <a:srgbClr val="666666"/>
-        </a:dk2>
-        <a:lt2>
-          <a:srgbClr val="D2D2D2"/>
-        </a:lt2>
-        <a:accent1>
-          <a:srgbClr val="FF388C"/>
-        </a:accent1>
-        <a:accent2>
-          <a:srgbClr val="E40059"/>
-        </a:accent2>
-        <a:accent3>
-          <a:srgbClr val="9C007F"/>
-        </a:accent3>
-        <a:accent4>
-          <a:srgbClr val="68007F"/>
-        </a:accent4>
-        <a:accent5>
-          <a:srgbClr val="005BD3"/>
-        </a:accent5>
-        <a:accent6>
-          <a:srgbClr val="00349E"/>
-        </a:accent6>
-        <a:hlink>
-          <a:srgbClr val="17BBFD"/>
-        </a:hlink>
-        <a:folHlink>
-          <a:srgbClr val="FF79C2"/>
-        </a:folHlink>
-      </a:clrScheme>
-      <a:clrMap bg1="lt1" tx1="dk1" bg2="lt2" tx2="dk2" accent1="accent1" accent2="accent2" accent3="accent3" accent4="accent4" accent5="accent5" accent6="accent6" hlink="hlink" folHlink="folHlink"/>
-    </a:extraClrScheme>
-    <a:extraClrScheme>
-      <a:clrScheme name="Custom">
-        <a:dk1>
-          <a:srgbClr val="0F243E"/>
-        </a:dk1>
-        <a:lt1>
-          <a:sysClr val="window" lastClr="FFFFFF"/>
-        </a:lt1>
-        <a:dk2>
-          <a:srgbClr val="1F497D"/>
-        </a:dk2>
-        <a:lt2>
-          <a:srgbClr val="EEECE1"/>
-        </a:lt2>
-        <a:accent1>
-          <a:srgbClr val="0000FF"/>
-        </a:accent1>
-        <a:accent2>
-          <a:srgbClr val="FE19FF"/>
-        </a:accent2>
-        <a:accent3>
-          <a:srgbClr val="00B050"/>
-        </a:accent3>
-        <a:accent4>
-          <a:srgbClr val="FF0000"/>
-        </a:accent4>
-        <a:accent5>
-          <a:srgbClr val="4BACC6"/>
-        </a:accent5>
-        <a:accent6>
-          <a:srgbClr val="FFFF00"/>
-        </a:accent6>
-        <a:hlink>
-          <a:srgbClr val="548DD4"/>
-        </a:hlink>
-        <a:folHlink>
-          <a:srgbClr val="FE19FF"/>
-        </a:folHlink>
-      </a:clrScheme>
-      <a:clrMap bg1="lt1" tx1="dk1" bg2="lt2" tx2="dk2" accent1="accent1" accent2="accent2" accent3="accent3" accent4="accent4" accent5="accent5" accent6="accent6" hlink="hlink" folHlink="folHlink"/>
-    </a:extraClrScheme>
-  </a:extraClrSchemeLst>
+  <a:extraClrSchemeLst/>
 </a:theme>
 </file>
--- a/PowerPoint/themes/theme5/lines.pptx
+++ b/PowerPoint/themes/theme5/lines.pptx
@@ -109,7 +109,7 @@
 
 <file path=ppt/slideLayouts/slideLayout1.xml><?xml version="1.0" encoding="utf-8"?>
 <p:sldLayout xmlns:a="http://schemas.openxmlformats.org/drawingml/2006/main" xmlns:r="http://schemas.openxmlformats.org/officeDocument/2006/relationships" xmlns:p="http://schemas.openxmlformats.org/presentationml/2006/main" showMasterSp="0" type="title" preserve="1" userDrawn="1">
-  <p:cSld name="Титульный слайд">
+  <p:cSld name="Title Slide">
     <p:bg>
       <p:bgPr>
         <a:blipFill dpi="0" rotWithShape="1">
@@ -357,7 +357,7 @@
 
 <file path=ppt/slideLayouts/slideLayout2.xml><?xml version="1.0" encoding="utf-8"?>
 <p:sldLayout xmlns:a="http://schemas.openxmlformats.org/drawingml/2006/main" xmlns:r="http://schemas.openxmlformats.org/officeDocument/2006/relationships" xmlns:p="http://schemas.openxmlformats.org/presentationml/2006/main" type="obj" preserve="1">
-  <p:cSld name="Заголовок и объект">
+  <p:cSld name="Title and Content">
     <p:bg>
       <p:bgPr>
         <a:blipFill dpi="0" rotWithShape="1">
@@ -509,7 +509,7 @@
 
 <file path=ppt/slideLayouts/slideLayout3.xml><?xml version="1.0" encoding="utf-8"?>
 <p:sldLayout xmlns:a="http://schemas.openxmlformats.org/drawingml/2006/main" xmlns:r="http://schemas.openxmlformats.org/officeDocument/2006/relationships" xmlns:p="http://schemas.openxmlformats.org/presentationml/2006/main" type="secHead" preserve="1" userDrawn="1">
-  <p:cSld name="Заголовок раздела">
+  <p:cSld name="Section Header">
     <p:bg>
       <p:bgPr>
         <a:blipFill dpi="0" rotWithShape="1">
@@ -735,7 +735,7 @@
 
 <file path=ppt/slideLayouts/slideLayout4.xml><?xml version="1.0" encoding="utf-8"?>
 <p:sldLayout xmlns:a="http://schemas.openxmlformats.org/drawingml/2006/main" xmlns:r="http://schemas.openxmlformats.org/officeDocument/2006/relationships" xmlns:p="http://schemas.openxmlformats.org/presentationml/2006/main" type="twoObj" preserve="1" userDrawn="1">
-  <p:cSld name="Два объекта">
+  <p:cSld name="Two Content">
     <p:bg>
       <p:bgPr>
         <a:blipFill dpi="0" rotWithShape="1">
@@ -1019,7 +1019,7 @@
 
 <file path=ppt/slideLayouts/slideLayout5.xml><?xml version="1.0" encoding="utf-8"?>
 <p:sldLayout xmlns:a="http://schemas.openxmlformats.org/drawingml/2006/main" xmlns:r="http://schemas.openxmlformats.org/officeDocument/2006/relationships" xmlns:p="http://schemas.openxmlformats.org/presentationml/2006/main" type="twoTxTwoObj" preserve="1" userDrawn="1">
-  <p:cSld name="Сравнение">
+  <p:cSld name="Comparison">
     <p:bg>
       <p:bgPr>
         <a:blipFill dpi="0" rotWithShape="1">
@@ -1441,7 +1441,7 @@
 
 <file path=ppt/slideLayouts/slideLayout6.xml><?xml version="1.0" encoding="utf-8"?>
 <p:sldLayout xmlns:a="http://schemas.openxmlformats.org/drawingml/2006/main" xmlns:r="http://schemas.openxmlformats.org/officeDocument/2006/relationships" xmlns:p="http://schemas.openxmlformats.org/presentationml/2006/main" type="titleOnly" preserve="1">
-  <p:cSld name="Только заголовок">
+  <p:cSld name="Title Only">
     <p:bg>
       <p:bgPr>
         <a:blipFill dpi="0" rotWithShape="1">
@@ -1541,7 +1541,7 @@
 
 <file path=ppt/slideLayouts/slideLayout7.xml><?xml version="1.0" encoding="utf-8"?>
 <p:sldLayout xmlns:a="http://schemas.openxmlformats.org/drawingml/2006/main" xmlns:r="http://schemas.openxmlformats.org/officeDocument/2006/relationships" xmlns:p="http://schemas.openxmlformats.org/presentationml/2006/main" type="blank" preserve="1">
-  <p:cSld name="Пустой слайд">
+  <p:cSld name="Blank">
     <p:bg>
       <p:bgPr>
         <a:blipFill dpi="0" rotWithShape="1">
@@ -1618,7 +1618,7 @@
 
 <file path=ppt/slideLayouts/slideLayout8.xml><?xml version="1.0" encoding="utf-8"?>
 <p:sldLayout xmlns:a="http://schemas.openxmlformats.org/drawingml/2006/main" xmlns:r="http://schemas.openxmlformats.org/officeDocument/2006/relationships" xmlns:p="http://schemas.openxmlformats.org/presentationml/2006/main" type="objTx" preserve="1">
-  <p:cSld name="Объект с подписью">
+  <p:cSld name="Content with Caption">
     <p:bg>
       <p:bgPr>
         <a:blipFill dpi="0" rotWithShape="1">
@@ -1974,7 +1974,7 @@
 
 <file path=ppt/slideLayouts/slideLayout9.xml><?xml version="1.0" encoding="utf-8"?>
 <p:sldLayout xmlns:a="http://schemas.openxmlformats.org/drawingml/2006/main" xmlns:r="http://schemas.openxmlformats.org/officeDocument/2006/relationships" xmlns:p="http://schemas.openxmlformats.org/presentationml/2006/main" type="picTx" preserve="1" userDrawn="1">
-  <p:cSld name="Рисунок с подписью">
+  <p:cSld name="Picture with Caption">
     <p:bg>
       <p:bgPr>
         <a:blipFill dpi="0" rotWithShape="1">
